--- a/document/presentation.pptx
+++ b/document/presentation.pptx
@@ -157,7 +157,7 @@
         <p:txBody>
           <a:bodyPr/>
           <a:p>
-            <a:fld id="{DC26A15B-F63B-41AD-9BA5-F276EDF79B33}" type="slidenum">
+            <a:fld id="{707840BE-C414-4C48-8081-694EBD5BA522}" type="slidenum">
               <a:t>&lt;#&gt;</a:t>
             </a:fld>
           </a:p>
@@ -240,7 +240,7 @@
         <p:txBody>
           <a:bodyPr/>
           <a:p>
-            <a:fld id="{60D60E06-AF21-4F86-90BD-9E6AF1EF1CDF}" type="slidenum">
+            <a:fld id="{BE663896-E2D4-420B-B39E-21B9C50615E2}" type="slidenum">
               <a:t>&lt;#&gt;</a:t>
             </a:fld>
           </a:p>
@@ -323,7 +323,7 @@
         <p:txBody>
           <a:bodyPr/>
           <a:p>
-            <a:fld id="{2E5A7D99-DFE9-454C-AA8B-5E201DF974D6}" type="slidenum">
+            <a:fld id="{DE85AB1A-1096-4511-B0A3-EC9D976F6369}" type="slidenum">
               <a:t>&lt;#&gt;</a:t>
             </a:fld>
           </a:p>
@@ -406,7 +406,7 @@
         <p:txBody>
           <a:bodyPr/>
           <a:p>
-            <a:fld id="{06300CCF-87C4-4FD9-A0F3-9560371453F3}" type="slidenum">
+            <a:fld id="{CAF679BA-A974-4434-A42B-B80D4FD826B6}" type="slidenum">
               <a:t>&lt;#&gt;</a:t>
             </a:fld>
           </a:p>
@@ -489,7 +489,7 @@
         <p:txBody>
           <a:bodyPr/>
           <a:p>
-            <a:fld id="{BE99BFFA-7A81-4891-A6E4-EAED64E6EB04}" type="slidenum">
+            <a:fld id="{945D2D70-FE31-4B98-9612-463F9982E627}" type="slidenum">
               <a:t>&lt;#&gt;</a:t>
             </a:fld>
           </a:p>
@@ -658,7 +658,7 @@
         <p:txBody>
           <a:bodyPr/>
           <a:p>
-            <a:fld id="{65CD2648-F7B2-4B2D-8F05-E2CD7C18C9D0}" type="slidenum">
+            <a:fld id="{754C17F6-38C2-4170-B6A2-85EE08BAE421}" type="slidenum">
               <a:t>&lt;#&gt;</a:t>
             </a:fld>
           </a:p>
@@ -741,7 +741,7 @@
         <p:txBody>
           <a:bodyPr/>
           <a:p>
-            <a:fld id="{4C7B160E-5233-48D1-A0F5-7AD6A34388AA}" type="slidenum">
+            <a:fld id="{BDD81DCD-3EAA-4E32-958C-B24F215CFF74}" type="slidenum">
               <a:t>&lt;#&gt;</a:t>
             </a:fld>
           </a:p>
@@ -956,7 +956,7 @@
         <p:txBody>
           <a:bodyPr/>
           <a:p>
-            <a:fld id="{0CC6AE9A-A1F8-40B4-BC44-1D82050F82ED}" type="slidenum">
+            <a:fld id="{5B0FD474-2923-4133-8837-CAEFB12CE047}" type="slidenum">
               <a:t>&lt;#&gt;</a:t>
             </a:fld>
           </a:p>
@@ -1039,7 +1039,7 @@
         <p:txBody>
           <a:bodyPr/>
           <a:p>
-            <a:fld id="{4DBE79A8-87EF-44C4-9ADE-2F5E18B63FBA}" type="slidenum">
+            <a:fld id="{971AB372-297D-4947-8320-440D86EEF186}" type="slidenum">
               <a:t>&lt;#&gt;</a:t>
             </a:fld>
           </a:p>
@@ -1162,7 +1162,7 @@
         <p:txBody>
           <a:bodyPr/>
           <a:p>
-            <a:fld id="{E18D4C9F-0339-4109-B0B6-E440183BD3ED}" type="slidenum">
+            <a:fld id="{97C10445-127D-4861-965F-8CD23926BAD1}" type="slidenum">
               <a:t>&lt;#&gt;</a:t>
             </a:fld>
           </a:p>
@@ -1245,7 +1245,7 @@
         <p:txBody>
           <a:bodyPr/>
           <a:p>
-            <a:fld id="{CD9C8D7F-52B5-4333-AB07-D868D5EBA60C}" type="slidenum">
+            <a:fld id="{76C1C3AD-0C5B-4A6B-A8C1-0404FABF9E1C}" type="slidenum">
               <a:t>&lt;#&gt;</a:t>
             </a:fld>
           </a:p>
@@ -1527,7 +1527,7 @@
               </a:lnSpc>
               <a:buNone/>
             </a:pPr>
-            <a:fld id="{5C425609-66E7-406B-93DD-44850A5DB03D}" type="slidenum">
+            <a:fld id="{346FFE72-B917-468F-A756-6DF5221BA5C2}" type="slidenum">
               <a:rPr b="0" lang="en-US" sz="900" spc="-1" strike="noStrike">
                 <a:solidFill>
                   <a:schemeClr val="dk1"/>
@@ -2287,7 +2287,7 @@
               </a:lnSpc>
               <a:buNone/>
             </a:pPr>
-            <a:fld id="{3E76BFF3-EE0F-4521-B729-228500C2C1C4}" type="slidenum">
+            <a:fld id="{AC31048E-FDDD-4BA2-853C-F906D5D371BD}" type="slidenum">
               <a:rPr b="0" lang="en-US" sz="900" spc="-1" strike="noStrike">
                 <a:solidFill>
                   <a:schemeClr val="dk1"/>
@@ -2677,7 +2677,7 @@
               </a:lnSpc>
               <a:buNone/>
             </a:pPr>
-            <a:fld id="{9A490D1F-C132-40C1-A4F2-0A74B9AB9233}" type="slidenum">
+            <a:fld id="{D22BE94C-14DF-4C98-AE1E-5952FE6F9824}" type="slidenum">
               <a:rPr b="0" lang="en-US" sz="900" spc="-1" strike="noStrike">
                 <a:solidFill>
                   <a:schemeClr val="dk1"/>
@@ -3133,7 +3133,7 @@
               </a:lnSpc>
               <a:buNone/>
             </a:pPr>
-            <a:fld id="{F09244B1-3B39-4866-9F08-C7DFA59EEE72}" type="slidenum">
+            <a:fld id="{14286556-89E0-4A57-968B-4DFE3BCDEC06}" type="slidenum">
               <a:rPr b="0" lang="en-US" sz="900" spc="-1" strike="noStrike">
                 <a:solidFill>
                   <a:schemeClr val="dk1"/>
@@ -3589,7 +3589,7 @@
               </a:lnSpc>
               <a:buNone/>
             </a:pPr>
-            <a:fld id="{05F362D9-CB29-4440-85CF-945B0C8DE7FC}" type="slidenum">
+            <a:fld id="{5EE6EA7C-CBB8-4F92-94D7-B9D0BCB86BD5}" type="slidenum">
               <a:rPr b="0" lang="en-US" sz="900" spc="-1" strike="noStrike">
                 <a:solidFill>
                   <a:schemeClr val="dk1"/>
@@ -4045,7 +4045,7 @@
               </a:lnSpc>
               <a:buNone/>
             </a:pPr>
-            <a:fld id="{10A6BEE6-48E7-4D3D-8056-2FF5C13FD895}" type="slidenum">
+            <a:fld id="{332F9763-29E9-4C6E-B083-992010EC032D}" type="slidenum">
               <a:rPr b="0" lang="en-US" sz="900" spc="-1" strike="noStrike">
                 <a:solidFill>
                   <a:schemeClr val="dk1"/>
@@ -4380,7 +4380,7 @@
               </a:lnSpc>
               <a:buNone/>
             </a:pPr>
-            <a:fld id="{80340B71-DE1D-40DC-9ED0-768AA2274968}" type="slidenum">
+            <a:fld id="{63B7D245-2772-4201-8505-AAB26F96A774}" type="slidenum">
               <a:rPr b="0" lang="en-US" sz="900" spc="-1" strike="noStrike">
                 <a:solidFill>
                   <a:schemeClr val="dk1"/>
@@ -5015,7 +5015,7 @@
               </a:lnSpc>
               <a:buNone/>
             </a:pPr>
-            <a:fld id="{CA8FF207-6699-4BD4-A064-56B17D1A7F81}" type="slidenum">
+            <a:fld id="{AAC1CDCB-9AC7-455A-882B-E23E12BDE79C}" type="slidenum">
               <a:rPr b="0" lang="en-US" sz="900" spc="-1" strike="noStrike">
                 <a:solidFill>
                   <a:schemeClr val="dk1"/>
@@ -5766,7 +5766,7 @@
               </a:lnSpc>
               <a:buNone/>
             </a:pPr>
-            <a:fld id="{6A10F29B-DCFA-4866-AF93-FC25AD775768}" type="slidenum">
+            <a:fld id="{76547A75-91C1-48EB-A48B-5966916F4CD7}" type="slidenum">
               <a:rPr b="0" lang="en-US" sz="900" spc="-1" strike="noStrike">
                 <a:solidFill>
                   <a:schemeClr val="dk1"/>
@@ -6043,7 +6043,7 @@
               </a:lnSpc>
               <a:buNone/>
             </a:pPr>
-            <a:fld id="{3ABF6C44-2456-46C4-A6F1-7ABD5E300C16}" type="slidenum">
+            <a:fld id="{6424C9BB-640C-429E-AF64-3F0ABE8C31D7}" type="slidenum">
               <a:rPr b="0" lang="en-US" sz="900" spc="-1" strike="noStrike">
                 <a:solidFill>
                   <a:schemeClr val="dk1"/>
@@ -6268,7 +6268,7 @@
               </a:lnSpc>
               <a:buNone/>
             </a:pPr>
-            <a:fld id="{1656B8E9-4C63-41F9-8808-CAD21703FFAF}" type="slidenum">
+            <a:fld id="{111EF1AF-EFC1-4F08-9736-9441829B7B62}" type="slidenum">
               <a:rPr b="0" lang="en-US" sz="900" spc="-1" strike="noStrike">
                 <a:solidFill>
                   <a:schemeClr val="dk1"/>
